--- a/lecture-materials/Analytics/EMR/emr.pptx
+++ b/lecture-materials/Analytics/EMR/emr.pptx
@@ -268,7 +268,7 @@
           <a:p>
             <a:fld id="{322C9020-58D6-4B4B-AE71-CBBD8D6FD410}" type="datetimeFigureOut">
               <a:rPr lang="en-CH" smtClean="0"/>
-              <a:t>11.09.23</a:t>
+              <a:t>05.02.2024</a:t>
             </a:fld>
             <a:endParaRPr lang="en-CH"/>
           </a:p>
@@ -468,7 +468,7 @@
           <a:p>
             <a:fld id="{322C9020-58D6-4B4B-AE71-CBBD8D6FD410}" type="datetimeFigureOut">
               <a:rPr lang="en-CH" smtClean="0"/>
-              <a:t>11.09.23</a:t>
+              <a:t>05.02.2024</a:t>
             </a:fld>
             <a:endParaRPr lang="en-CH"/>
           </a:p>
@@ -678,7 +678,7 @@
           <a:p>
             <a:fld id="{322C9020-58D6-4B4B-AE71-CBBD8D6FD410}" type="datetimeFigureOut">
               <a:rPr lang="en-CH" smtClean="0"/>
-              <a:t>11.09.23</a:t>
+              <a:t>05.02.2024</a:t>
             </a:fld>
             <a:endParaRPr lang="en-CH"/>
           </a:p>
@@ -878,7 +878,7 @@
           <a:p>
             <a:fld id="{322C9020-58D6-4B4B-AE71-CBBD8D6FD410}" type="datetimeFigureOut">
               <a:rPr lang="en-CH" smtClean="0"/>
-              <a:t>11.09.23</a:t>
+              <a:t>05.02.2024</a:t>
             </a:fld>
             <a:endParaRPr lang="en-CH"/>
           </a:p>
@@ -1154,7 +1154,7 @@
           <a:p>
             <a:fld id="{322C9020-58D6-4B4B-AE71-CBBD8D6FD410}" type="datetimeFigureOut">
               <a:rPr lang="en-CH" smtClean="0"/>
-              <a:t>11.09.23</a:t>
+              <a:t>05.02.2024</a:t>
             </a:fld>
             <a:endParaRPr lang="en-CH"/>
           </a:p>
@@ -1422,7 +1422,7 @@
           <a:p>
             <a:fld id="{322C9020-58D6-4B4B-AE71-CBBD8D6FD410}" type="datetimeFigureOut">
               <a:rPr lang="en-CH" smtClean="0"/>
-              <a:t>11.09.23</a:t>
+              <a:t>05.02.2024</a:t>
             </a:fld>
             <a:endParaRPr lang="en-CH"/>
           </a:p>
@@ -1837,7 +1837,7 @@
           <a:p>
             <a:fld id="{322C9020-58D6-4B4B-AE71-CBBD8D6FD410}" type="datetimeFigureOut">
               <a:rPr lang="en-CH" smtClean="0"/>
-              <a:t>11.09.23</a:t>
+              <a:t>05.02.2024</a:t>
             </a:fld>
             <a:endParaRPr lang="en-CH"/>
           </a:p>
@@ -1979,7 +1979,7 @@
           <a:p>
             <a:fld id="{322C9020-58D6-4B4B-AE71-CBBD8D6FD410}" type="datetimeFigureOut">
               <a:rPr lang="en-CH" smtClean="0"/>
-              <a:t>11.09.23</a:t>
+              <a:t>05.02.2024</a:t>
             </a:fld>
             <a:endParaRPr lang="en-CH"/>
           </a:p>
@@ -2092,7 +2092,7 @@
           <a:p>
             <a:fld id="{322C9020-58D6-4B4B-AE71-CBBD8D6FD410}" type="datetimeFigureOut">
               <a:rPr lang="en-CH" smtClean="0"/>
-              <a:t>11.09.23</a:t>
+              <a:t>05.02.2024</a:t>
             </a:fld>
             <a:endParaRPr lang="en-CH"/>
           </a:p>
@@ -2405,7 +2405,7 @@
           <a:p>
             <a:fld id="{322C9020-58D6-4B4B-AE71-CBBD8D6FD410}" type="datetimeFigureOut">
               <a:rPr lang="en-CH" smtClean="0"/>
-              <a:t>11.09.23</a:t>
+              <a:t>05.02.2024</a:t>
             </a:fld>
             <a:endParaRPr lang="en-CH"/>
           </a:p>
@@ -2694,7 +2694,7 @@
           <a:p>
             <a:fld id="{322C9020-58D6-4B4B-AE71-CBBD8D6FD410}" type="datetimeFigureOut">
               <a:rPr lang="en-CH" smtClean="0"/>
-              <a:t>11.09.23</a:t>
+              <a:t>05.02.2024</a:t>
             </a:fld>
             <a:endParaRPr lang="en-CH"/>
           </a:p>
@@ -2937,7 +2937,7 @@
           <a:p>
             <a:fld id="{322C9020-58D6-4B4B-AE71-CBBD8D6FD410}" type="datetimeFigureOut">
               <a:rPr lang="en-CH" smtClean="0"/>
-              <a:t>11.09.23</a:t>
+              <a:t>05.02.2024</a:t>
             </a:fld>
             <a:endParaRPr lang="en-CH"/>
           </a:p>
@@ -28423,84 +28423,73 @@
           <a:lstStyle/>
           <a:p>
             <a:r>
-              <a:rPr lang="en-GB" sz="2000" b="0" i="0" dirty="0">
+              <a:rPr lang="en-GB" sz="1800" b="0" i="0" dirty="0">
                 <a:effectLst/>
-                <a:latin typeface="Open Sans" panose="020B0606030504020204" pitchFamily="34" charset="0"/>
               </a:rPr>
               <a:t>EMR Notebooks provide a managed environment, based on </a:t>
             </a:r>
             <a:r>
-              <a:rPr lang="en-GB" sz="2000" b="0" i="0" dirty="0" err="1">
+              <a:rPr lang="en-GB" sz="1800" b="0" i="0" dirty="0" err="1">
                 <a:effectLst/>
-                <a:latin typeface="Open Sans" panose="020B0606030504020204" pitchFamily="34" charset="0"/>
               </a:rPr>
               <a:t>Jupyter</a:t>
             </a:r>
             <a:r>
-              <a:rPr lang="en-GB" sz="2000" b="0" i="0" dirty="0">
+              <a:rPr lang="en-GB" sz="1800" b="0" i="0" dirty="0">
                 <a:effectLst/>
-                <a:latin typeface="Open Sans" panose="020B0606030504020204" pitchFamily="34" charset="0"/>
               </a:rPr>
               <a:t> Notebooks, to help users prepare and visualize data, collaborate with peers, build applications, and perform interactive analysis using EMR clusters.</a:t>
             </a:r>
           </a:p>
           <a:p>
             <a:r>
-              <a:rPr lang="en-GB" sz="2000" b="0" i="0" dirty="0">
+              <a:rPr lang="en-GB" sz="1800" b="0" i="0" dirty="0">
                 <a:effectLst/>
-                <a:latin typeface="Open Sans" panose="020B0606030504020204" pitchFamily="34" charset="0"/>
               </a:rPr>
               <a:t>EMR enables you to quickly and easily provision as much capacity as you need, and automatically or manually add and remove capacity.</a:t>
             </a:r>
           </a:p>
           <a:p>
             <a:r>
-              <a:rPr lang="en-GB" sz="2000" b="0" i="0" dirty="0">
+              <a:rPr lang="en-GB" sz="1800" b="0" i="0" dirty="0">
                 <a:effectLst/>
-                <a:latin typeface="Open Sans" panose="020B0606030504020204" pitchFamily="34" charset="0"/>
               </a:rPr>
               <a:t>You can leverage multiple data stores, including </a:t>
             </a:r>
             <a:r>
-              <a:rPr lang="en-GB" sz="2000" dirty="0">
-                <a:latin typeface="Open Sans" panose="020B0606030504020204" pitchFamily="34" charset="0"/>
-              </a:rPr>
+              <a:rPr lang="en-GB" sz="1800" dirty="0"/>
               <a:t>S3</a:t>
             </a:r>
             <a:r>
-              <a:rPr lang="en-GB" sz="2000" b="0" i="0" dirty="0">
+              <a:rPr lang="en-GB" sz="1800" b="0" i="0" dirty="0">
                 <a:effectLst/>
-                <a:latin typeface="Open Sans" panose="020B0606030504020204" pitchFamily="34" charset="0"/>
               </a:rPr>
               <a:t>, the Hadoop Distributed File System (HDFS), and DynamoDB.</a:t>
             </a:r>
           </a:p>
           <a:p>
             <a:r>
-              <a:rPr lang="en-GB" sz="2000" b="0" i="0" dirty="0">
+              <a:rPr lang="en-GB" sz="1800" b="0" i="0" dirty="0">
                 <a:effectLst/>
-                <a:latin typeface="Open Sans" panose="020B0606030504020204" pitchFamily="34" charset="0"/>
               </a:rPr>
               <a:t>Components: Cluster Nodes, Node Type</a:t>
             </a:r>
           </a:p>
           <a:p>
             <a:r>
-              <a:rPr lang="en-GB" sz="2000" b="0" i="0" dirty="0">
+              <a:rPr lang="en-GB" sz="1800" b="0" i="0" dirty="0">
                 <a:effectLst/>
-                <a:latin typeface="Open Sans" panose="020B0606030504020204" pitchFamily="34" charset="0"/>
               </a:rPr>
               <a:t>Paying a per-second rate for every second for each node you use, with a one-minute minimum.</a:t>
             </a:r>
           </a:p>
           <a:p>
-            <a:endParaRPr lang="en-GB" sz="2000" b="0" i="0" dirty="0">
+            <a:endParaRPr lang="en-GB" sz="1800" b="0" i="0" dirty="0">
               <a:effectLst/>
-              <a:latin typeface="Open Sans" panose="020B0606030504020204" pitchFamily="34" charset="0"/>
             </a:endParaRPr>
           </a:p>
           <a:p>
-            <a:endParaRPr lang="en-CH" sz="2000" dirty="0"/>
+            <a:endParaRPr lang="en-CH" sz="1800" dirty="0"/>
           </a:p>
         </p:txBody>
       </p:sp>

--- a/lecture-materials/Analytics/EMR/emr.pptx
+++ b/lecture-materials/Analytics/EMR/emr.pptx
@@ -268,7 +268,7 @@
           <a:p>
             <a:fld id="{322C9020-58D6-4B4B-AE71-CBBD8D6FD410}" type="datetimeFigureOut">
               <a:rPr lang="en-CH" smtClean="0"/>
-              <a:t>05.02.2024</a:t>
+              <a:t>21.02.2024</a:t>
             </a:fld>
             <a:endParaRPr lang="en-CH"/>
           </a:p>
@@ -468,7 +468,7 @@
           <a:p>
             <a:fld id="{322C9020-58D6-4B4B-AE71-CBBD8D6FD410}" type="datetimeFigureOut">
               <a:rPr lang="en-CH" smtClean="0"/>
-              <a:t>05.02.2024</a:t>
+              <a:t>21.02.2024</a:t>
             </a:fld>
             <a:endParaRPr lang="en-CH"/>
           </a:p>
@@ -678,7 +678,7 @@
           <a:p>
             <a:fld id="{322C9020-58D6-4B4B-AE71-CBBD8D6FD410}" type="datetimeFigureOut">
               <a:rPr lang="en-CH" smtClean="0"/>
-              <a:t>05.02.2024</a:t>
+              <a:t>21.02.2024</a:t>
             </a:fld>
             <a:endParaRPr lang="en-CH"/>
           </a:p>
@@ -878,7 +878,7 @@
           <a:p>
             <a:fld id="{322C9020-58D6-4B4B-AE71-CBBD8D6FD410}" type="datetimeFigureOut">
               <a:rPr lang="en-CH" smtClean="0"/>
-              <a:t>05.02.2024</a:t>
+              <a:t>21.02.2024</a:t>
             </a:fld>
             <a:endParaRPr lang="en-CH"/>
           </a:p>
@@ -1154,7 +1154,7 @@
           <a:p>
             <a:fld id="{322C9020-58D6-4B4B-AE71-CBBD8D6FD410}" type="datetimeFigureOut">
               <a:rPr lang="en-CH" smtClean="0"/>
-              <a:t>05.02.2024</a:t>
+              <a:t>21.02.2024</a:t>
             </a:fld>
             <a:endParaRPr lang="en-CH"/>
           </a:p>
@@ -1422,7 +1422,7 @@
           <a:p>
             <a:fld id="{322C9020-58D6-4B4B-AE71-CBBD8D6FD410}" type="datetimeFigureOut">
               <a:rPr lang="en-CH" smtClean="0"/>
-              <a:t>05.02.2024</a:t>
+              <a:t>21.02.2024</a:t>
             </a:fld>
             <a:endParaRPr lang="en-CH"/>
           </a:p>
@@ -1837,7 +1837,7 @@
           <a:p>
             <a:fld id="{322C9020-58D6-4B4B-AE71-CBBD8D6FD410}" type="datetimeFigureOut">
               <a:rPr lang="en-CH" smtClean="0"/>
-              <a:t>05.02.2024</a:t>
+              <a:t>21.02.2024</a:t>
             </a:fld>
             <a:endParaRPr lang="en-CH"/>
           </a:p>
@@ -1979,7 +1979,7 @@
           <a:p>
             <a:fld id="{322C9020-58D6-4B4B-AE71-CBBD8D6FD410}" type="datetimeFigureOut">
               <a:rPr lang="en-CH" smtClean="0"/>
-              <a:t>05.02.2024</a:t>
+              <a:t>21.02.2024</a:t>
             </a:fld>
             <a:endParaRPr lang="en-CH"/>
           </a:p>
@@ -2092,7 +2092,7 @@
           <a:p>
             <a:fld id="{322C9020-58D6-4B4B-AE71-CBBD8D6FD410}" type="datetimeFigureOut">
               <a:rPr lang="en-CH" smtClean="0"/>
-              <a:t>05.02.2024</a:t>
+              <a:t>21.02.2024</a:t>
             </a:fld>
             <a:endParaRPr lang="en-CH"/>
           </a:p>
@@ -2405,7 +2405,7 @@
           <a:p>
             <a:fld id="{322C9020-58D6-4B4B-AE71-CBBD8D6FD410}" type="datetimeFigureOut">
               <a:rPr lang="en-CH" smtClean="0"/>
-              <a:t>05.02.2024</a:t>
+              <a:t>21.02.2024</a:t>
             </a:fld>
             <a:endParaRPr lang="en-CH"/>
           </a:p>
@@ -2694,7 +2694,7 @@
           <a:p>
             <a:fld id="{322C9020-58D6-4B4B-AE71-CBBD8D6FD410}" type="datetimeFigureOut">
               <a:rPr lang="en-CH" smtClean="0"/>
-              <a:t>05.02.2024</a:t>
+              <a:t>21.02.2024</a:t>
             </a:fld>
             <a:endParaRPr lang="en-CH"/>
           </a:p>
@@ -2937,7 +2937,7 @@
           <a:p>
             <a:fld id="{322C9020-58D6-4B4B-AE71-CBBD8D6FD410}" type="datetimeFigureOut">
               <a:rPr lang="en-CH" smtClean="0"/>
-              <a:t>05.02.2024</a:t>
+              <a:t>21.02.2024</a:t>
             </a:fld>
             <a:endParaRPr lang="en-CH"/>
           </a:p>
@@ -4413,8 +4413,8 @@
         </p:nvSpPr>
         <p:spPr>
           <a:xfrm>
-            <a:off x="876301" y="2308123"/>
-            <a:ext cx="5025735" cy="3998083"/>
+            <a:off x="399673" y="2308123"/>
+            <a:ext cx="5502364" cy="3998083"/>
           </a:xfrm>
         </p:spPr>
         <p:txBody>
@@ -4424,8 +4424,11 @@
           <a:lstStyle/>
           <a:p>
             <a:r>
-              <a:rPr lang="en-GB" sz="1600" b="0" i="0" dirty="0">
+              <a:rPr lang="en-GB" sz="1600" b="1" i="0" dirty="0">
                 <a:effectLst/>
+                <a:highlight>
+                  <a:srgbClr val="00FF00"/>
+                </a:highlight>
                 <a:latin typeface="Söhne"/>
               </a:rPr>
               <a:t>Apache Hadoop is an open-source framework that allows for the distributed processing of large datasets across clusters of computers using simple programming models. </a:t>
@@ -5170,8 +5173,8 @@
         </p:nvSpPr>
         <p:spPr>
           <a:xfrm>
-            <a:off x="438912" y="2512611"/>
-            <a:ext cx="4832803" cy="3664351"/>
+            <a:off x="241292" y="2512611"/>
+            <a:ext cx="4899937" cy="3954801"/>
           </a:xfrm>
         </p:spPr>
         <p:txBody>
@@ -5181,8 +5184,11 @@
           <a:lstStyle/>
           <a:p>
             <a:r>
-              <a:rPr lang="en-GB" sz="1500" b="0" i="0">
+              <a:rPr lang="en-GB" sz="1500" b="1" i="0" dirty="0">
                 <a:effectLst/>
+                <a:highlight>
+                  <a:srgbClr val="00FF00"/>
+                </a:highlight>
                 <a:latin typeface="Arial" panose="020B0604020202020204" pitchFamily="34" charset="0"/>
               </a:rPr>
               <a:t>Amazon EMR (previously known as Amazon Elastic MapReduce) is an Amazon Web Services (AWS) tool for big data processing and analysis</a:t>
@@ -5190,7 +5196,7 @@
           </a:p>
           <a:p>
             <a:r>
-              <a:rPr lang="en-GB" sz="1500" b="0" i="0">
+              <a:rPr lang="en-GB" sz="1500" b="0" i="0" dirty="0">
                 <a:effectLst/>
                 <a:latin typeface="Arial" panose="020B0604020202020204" pitchFamily="34" charset="0"/>
               </a:rPr>
@@ -5199,7 +5205,7 @@
           </a:p>
           <a:p>
             <a:r>
-              <a:rPr lang="en-GB" sz="1500" b="0" i="0">
+              <a:rPr lang="en-GB" sz="1500" b="0" i="0" dirty="0">
                 <a:effectLst/>
                 <a:latin typeface="Arial" panose="020B0604020202020204" pitchFamily="34" charset="0"/>
               </a:rPr>
@@ -5208,18 +5214,24 @@
           </a:p>
           <a:p>
             <a:r>
-              <a:rPr lang="en-GB" sz="1500">
+              <a:rPr lang="en-GB" sz="1500" dirty="0">
                 <a:latin typeface="Arial" panose="020B0604020202020204" pitchFamily="34" charset="0"/>
               </a:rPr>
-              <a:t>EMR comes bundled with Apache Spark, HBase, Presto, Flink</a:t>
+              <a:t>EMR comes bundled with Apache Spark, HBase, Presto, </a:t>
             </a:r>
-            <a:endParaRPr lang="en-GB" sz="1500" b="0" i="0">
+            <a:r>
+              <a:rPr lang="en-GB" sz="1500" dirty="0" err="1">
+                <a:latin typeface="Arial" panose="020B0604020202020204" pitchFamily="34" charset="0"/>
+              </a:rPr>
+              <a:t>Flink</a:t>
+            </a:r>
+            <a:endParaRPr lang="en-GB" sz="1500" b="0" i="0" dirty="0">
               <a:effectLst/>
               <a:latin typeface="Arial" panose="020B0604020202020204" pitchFamily="34" charset="0"/>
             </a:endParaRPr>
           </a:p>
           <a:p>
-            <a:endParaRPr lang="en-CH" sz="1500"/>
+            <a:endParaRPr lang="en-CH" sz="1500" dirty="0"/>
           </a:p>
         </p:txBody>
       </p:sp>
@@ -23307,7 +23319,7 @@
         </p:nvSpPr>
         <p:spPr>
           <a:xfrm>
-            <a:off x="643048" y="2176254"/>
+            <a:off x="624881" y="2066724"/>
             <a:ext cx="6010000" cy="4549279"/>
           </a:xfrm>
         </p:spPr>
@@ -26125,16 +26137,34 @@
               <a:buChar char="•"/>
             </a:pPr>
             <a:r>
-              <a:rPr lang="en-GB" sz="2200" b="1" dirty="0">
+              <a:rPr lang="en-GB" sz="1800" b="1" dirty="0">
                 <a:effectLst/>
               </a:rPr>
               <a:t>Amazon EMR on Amazon EC2.</a:t>
             </a:r>
             <a:r>
-              <a:rPr lang="en-GB" sz="2200" dirty="0">
+              <a:rPr lang="en-GB" sz="1800" dirty="0">
                 <a:effectLst/>
               </a:rPr>
-              <a:t> Amazon EMR can quickly process large amounts of data using Amazon EC2. Users can configure Amazon EMR to take advantage of On-Demand, Reserved and Spot Instances.</a:t>
+              <a:t> </a:t>
+            </a:r>
+          </a:p>
+          <a:p>
+            <a:pPr lvl="1"/>
+            <a:r>
+              <a:rPr lang="en-GB" sz="1800" dirty="0">
+                <a:effectLst/>
+              </a:rPr>
+              <a:t>Amazon EMR can quickly process large amounts of data using Amazon EC2. </a:t>
+            </a:r>
+          </a:p>
+          <a:p>
+            <a:pPr lvl="1"/>
+            <a:r>
+              <a:rPr lang="en-GB" sz="1800" dirty="0">
+                <a:effectLst/>
+              </a:rPr>
+              <a:t>Users can configure Amazon EMR to take advantage of On-Demand, Reserved and Spot Instances.</a:t>
             </a:r>
           </a:p>
           <a:p>
@@ -26143,19 +26173,37 @@
               <a:buChar char="•"/>
             </a:pPr>
             <a:r>
-              <a:rPr lang="en-GB" sz="2200" b="1" dirty="0">
+              <a:rPr lang="en-GB" sz="1800" b="1" dirty="0">
                 <a:effectLst/>
               </a:rPr>
               <a:t>Amazon EMR on Amazon Elastic Kubernetes Service (EKS).</a:t>
             </a:r>
             <a:r>
-              <a:rPr lang="en-GB" sz="2200" dirty="0">
+              <a:rPr lang="en-GB" sz="1800" dirty="0">
                 <a:effectLst/>
               </a:rPr>
-              <a:t> The Amazon EMR console enables users to run Apache Spark applications with other applications on the same EKS cluster. Organizations can share compute and memory resources across all applications and use a </a:t>
+              <a:t> </a:t>
+            </a:r>
+          </a:p>
+          <a:p>
+            <a:pPr lvl="1"/>
+            <a:r>
+              <a:rPr lang="en-GB" sz="1800" dirty="0">
+                <a:effectLst/>
+              </a:rPr>
+              <a:t>The Amazon EMR console enables users to run Apache Spark applications with other applications on the same EKS cluster. </a:t>
+            </a:r>
+          </a:p>
+          <a:p>
+            <a:pPr lvl="1"/>
+            <a:r>
+              <a:rPr lang="en-GB" sz="1800" dirty="0">
+                <a:effectLst/>
+              </a:rPr>
+              <a:t>Organizations can share compute and memory resources across all applications and use a </a:t>
             </a:r>
             <a:r>
-              <a:rPr lang="en-GB" sz="2200" u="sng" dirty="0">
+              <a:rPr lang="en-GB" sz="1800" u="sng" dirty="0">
                 <a:effectLst/>
                 <a:hlinkClick r:id="rId2">
                   <a:extLst>
@@ -26168,7 +26216,7 @@
               <a:t>Kubernetes</a:t>
             </a:r>
             <a:r>
-              <a:rPr lang="en-GB" sz="2200" dirty="0">
+              <a:rPr lang="en-GB" sz="1800" dirty="0">
                 <a:effectLst/>
               </a:rPr>
               <a:t> tool to monitor and manage the infrastructure.</a:t>
@@ -26180,28 +26228,40 @@
               <a:buChar char="•"/>
             </a:pPr>
             <a:r>
-              <a:rPr lang="en-GB" sz="2200" b="1" dirty="0">
+              <a:rPr lang="en-GB" sz="1800" b="1" dirty="0">
                 <a:effectLst/>
               </a:rPr>
               <a:t>Amazon EMR on AWS Outposts.</a:t>
             </a:r>
+          </a:p>
+          <a:p>
+            <a:pPr lvl="1"/>
             <a:r>
-              <a:rPr lang="en-GB" sz="2200" dirty="0">
+              <a:rPr lang="en-GB" sz="1800" dirty="0">
                 <a:effectLst/>
               </a:rPr>
-              <a:t> AWS Outposts enables organizations to run EMR in their own data </a:t>
+              <a:t>AWS Outposts enables organizations to run EMR in their own data </a:t>
             </a:r>
             <a:r>
-              <a:rPr lang="en-GB" sz="2200" dirty="0" err="1">
+              <a:rPr lang="en-GB" sz="1800" dirty="0" err="1">
                 <a:effectLst/>
               </a:rPr>
               <a:t>centers</a:t>
             </a:r>
             <a:r>
-              <a:rPr lang="en-GB" sz="2200" dirty="0">
+              <a:rPr lang="en-GB" sz="1800" dirty="0">
                 <a:effectLst/>
               </a:rPr>
-              <a:t>. This makes it easier to set up, deploy, manage and scale EMR in on-premises environments.</a:t>
+              <a:t>. </a:t>
+            </a:r>
+          </a:p>
+          <a:p>
+            <a:pPr lvl="1"/>
+            <a:r>
+              <a:rPr lang="en-GB" sz="1800" dirty="0">
+                <a:effectLst/>
+              </a:rPr>
+              <a:t>This makes it easier to set up, deploy, manage and scale EMR in on-premises environments.</a:t>
             </a:r>
           </a:p>
         </p:txBody>
@@ -26574,8 +26634,8 @@
         </p:nvSpPr>
         <p:spPr>
           <a:xfrm>
-            <a:off x="7938752" y="2020824"/>
-            <a:ext cx="3455097" cy="3959352"/>
+            <a:off x="7708816" y="2020824"/>
+            <a:ext cx="3984604" cy="3959352"/>
           </a:xfrm>
         </p:spPr>
         <p:txBody>
@@ -28412,8 +28472,8 @@
         </p:nvSpPr>
         <p:spPr>
           <a:xfrm>
-            <a:off x="6095999" y="882315"/>
-            <a:ext cx="5254754" cy="5294647"/>
+            <a:off x="5974887" y="943708"/>
+            <a:ext cx="5960758" cy="5294647"/>
           </a:xfrm>
         </p:spPr>
         <p:txBody>
